--- a/week-4/thomason-presentation-4.2.pptx
+++ b/week-4/thomason-presentation-4.2.pptx
@@ -5,10 +5,10 @@
     <p:sldMasterId id="2147483648" r:id="rId4"/>
   </p:sldMasterIdLst>
   <p:notesMasterIdLst>
-    <p:notesMasterId r:id="rId13"/>
+    <p:notesMasterId r:id="rId15"/>
   </p:notesMasterIdLst>
   <p:handoutMasterIdLst>
-    <p:handoutMasterId r:id="rId14"/>
+    <p:handoutMasterId r:id="rId16"/>
   </p:handoutMasterIdLst>
   <p:sldIdLst>
     <p:sldId id="256" r:id="rId5"/>
@@ -16,9 +16,11 @@
     <p:sldId id="270" r:id="rId7"/>
     <p:sldId id="271" r:id="rId8"/>
     <p:sldId id="272" r:id="rId9"/>
-    <p:sldId id="273" r:id="rId10"/>
-    <p:sldId id="268" r:id="rId11"/>
-    <p:sldId id="267" r:id="rId12"/>
+    <p:sldId id="274" r:id="rId10"/>
+    <p:sldId id="273" r:id="rId11"/>
+    <p:sldId id="275" r:id="rId12"/>
+    <p:sldId id="268" r:id="rId13"/>
+    <p:sldId id="267" r:id="rId14"/>
   </p:sldIdLst>
   <p:sldSz cx="12192000" cy="6858000"/>
   <p:notesSz cx="6858000" cy="9144000"/>
@@ -233,7 +235,7 @@
           <a:p>
             <a:fld id="{F6E59275-AFE1-4999-B78A-D0D76B9F2B0B}" type="datetimeFigureOut">
               <a:rPr lang="en-US" smtClean="0"/>
-              <a:t>5/24/2019</a:t>
+              <a:t>5/26/2019</a:t>
             </a:fld>
             <a:endParaRPr lang="en-US" dirty="0"/>
           </a:p>
@@ -410,7 +412,7 @@
           <a:p>
             <a:fld id="{B3EADD7A-FE61-48EE-BE0E-8546E5401374}" type="datetimeFigureOut">
               <a:rPr lang="en-US" smtClean="0"/>
-              <a:t>5/24/2019</a:t>
+              <a:t>5/26/2019</a:t>
             </a:fld>
             <a:endParaRPr lang="en-US" dirty="0"/>
           </a:p>
@@ -826,7 +828,7 @@
           <a:p>
             <a:fld id="{EE000EEB-8338-48D7-8EE8-EE0082EF7602}" type="slidenum">
               <a:rPr lang="en-US" smtClean="0"/>
-              <a:t>8</a:t>
+              <a:t>10</a:t>
             </a:fld>
             <a:endParaRPr lang="en-US" dirty="0"/>
           </a:p>
@@ -887,7 +889,7 @@
           </a:lstStyle>
           <a:p>
             <a:r>
-              <a:rPr lang="en-US" smtClean="0"/>
+              <a:rPr lang="en-US"/>
               <a:t>Click to edit Master title style</a:t>
             </a:r>
             <a:endParaRPr lang="en-US" dirty="0"/>
@@ -1004,7 +1006,7 @@
           </a:lstStyle>
           <a:p>
             <a:r>
-              <a:rPr lang="en-US" smtClean="0"/>
+              <a:rPr lang="en-US"/>
               <a:t>Click to edit Master subtitle style</a:t>
             </a:r>
             <a:endParaRPr lang="en-US" dirty="0"/>
@@ -1028,7 +1030,7 @@
           <a:p>
             <a:fld id="{4AAD347D-5ACD-4C99-B74B-A9C85AD731AF}" type="datetimeFigureOut">
               <a:rPr lang="en-US" dirty="0"/>
-              <a:t>5/24/2019</a:t>
+              <a:t>5/26/2019</a:t>
             </a:fld>
             <a:endParaRPr lang="en-US" dirty="0"/>
           </a:p>
@@ -1128,7 +1130,7 @@
           </a:lstStyle>
           <a:p>
             <a:r>
-              <a:rPr lang="en-US" smtClean="0"/>
+              <a:rPr lang="en-US"/>
               <a:t>Click to edit Master title style</a:t>
             </a:r>
             <a:endParaRPr lang="en-US" dirty="0"/>
@@ -1207,7 +1209,7 @@
           </a:lstStyle>
           <a:p>
             <a:r>
-              <a:rPr lang="en-US" smtClean="0"/>
+              <a:rPr lang="en-US"/>
               <a:t>Click icon to add picture</a:t>
             </a:r>
             <a:endParaRPr lang="en-US" dirty="0"/>
@@ -1275,7 +1277,7 @@
           <a:p>
             <a:pPr lvl="0"/>
             <a:r>
-              <a:rPr lang="en-US" smtClean="0"/>
+              <a:rPr lang="en-US"/>
               <a:t>Edit Master text styles</a:t>
             </a:r>
           </a:p>
@@ -1298,7 +1300,7 @@
           <a:p>
             <a:fld id="{4509A250-FF31-4206-8172-F9D3106AACB1}" type="datetimeFigureOut">
               <a:rPr lang="en-US" dirty="0"/>
-              <a:t>5/24/2019</a:t>
+              <a:t>5/26/2019</a:t>
             </a:fld>
             <a:endParaRPr lang="en-US" dirty="0"/>
           </a:p>
@@ -1396,7 +1398,7 @@
           </a:lstStyle>
           <a:p>
             <a:r>
-              <a:rPr lang="en-US" smtClean="0"/>
+              <a:rPr lang="en-US"/>
               <a:t>Click to edit Master title style</a:t>
             </a:r>
             <a:endParaRPr lang="en-US" dirty="0"/>
@@ -1464,7 +1466,7 @@
           <a:p>
             <a:pPr lvl="0"/>
             <a:r>
-              <a:rPr lang="en-US" smtClean="0"/>
+              <a:rPr lang="en-US"/>
               <a:t>Edit Master text styles</a:t>
             </a:r>
           </a:p>
@@ -1487,7 +1489,7 @@
           <a:p>
             <a:fld id="{4509A250-FF31-4206-8172-F9D3106AACB1}" type="datetimeFigureOut">
               <a:rPr lang="en-US" dirty="0"/>
-              <a:t>5/24/2019</a:t>
+              <a:t>5/26/2019</a:t>
             </a:fld>
             <a:endParaRPr lang="en-US" dirty="0"/>
           </a:p>
@@ -1585,7 +1587,7 @@
           </a:lstStyle>
           <a:p>
             <a:r>
-              <a:rPr lang="en-US" smtClean="0"/>
+              <a:rPr lang="en-US"/>
               <a:t>Click to edit Master title style</a:t>
             </a:r>
             <a:endParaRPr lang="en-US" dirty="0"/>
@@ -1660,7 +1662,7 @@
           <a:p>
             <a:pPr lvl="0"/>
             <a:r>
-              <a:rPr lang="en-US" smtClean="0"/>
+              <a:rPr lang="en-US"/>
               <a:t>Edit Master text styles</a:t>
             </a:r>
           </a:p>
@@ -1727,7 +1729,7 @@
           <a:p>
             <a:pPr lvl="0"/>
             <a:r>
-              <a:rPr lang="en-US" smtClean="0"/>
+              <a:rPr lang="en-US"/>
               <a:t>Edit Master text styles</a:t>
             </a:r>
           </a:p>
@@ -1750,7 +1752,7 @@
           <a:p>
             <a:fld id="{4509A250-FF31-4206-8172-F9D3106AACB1}" type="datetimeFigureOut">
               <a:rPr lang="en-US" dirty="0"/>
-              <a:t>5/24/2019</a:t>
+              <a:t>5/26/2019</a:t>
             </a:fld>
             <a:endParaRPr lang="en-US" dirty="0"/>
           </a:p>
@@ -1936,7 +1938,7 @@
           </a:lstStyle>
           <a:p>
             <a:r>
-              <a:rPr lang="en-US" smtClean="0"/>
+              <a:rPr lang="en-US"/>
               <a:t>Click to edit Master title style</a:t>
             </a:r>
             <a:endParaRPr lang="en-US" dirty="0"/>
@@ -2054,7 +2056,7 @@
           <a:p>
             <a:pPr lvl="0"/>
             <a:r>
-              <a:rPr lang="en-US" smtClean="0"/>
+              <a:rPr lang="en-US"/>
               <a:t>Edit Master text styles</a:t>
             </a:r>
           </a:p>
@@ -2077,7 +2079,7 @@
           <a:p>
             <a:fld id="{4509A250-FF31-4206-8172-F9D3106AACB1}" type="datetimeFigureOut">
               <a:rPr lang="en-US" dirty="0"/>
-              <a:t>5/24/2019</a:t>
+              <a:t>5/26/2019</a:t>
             </a:fld>
             <a:endParaRPr lang="en-US" dirty="0"/>
           </a:p>
@@ -2170,7 +2172,7 @@
           </a:lstStyle>
           <a:p>
             <a:r>
-              <a:rPr lang="en-US" smtClean="0"/>
+              <a:rPr lang="en-US"/>
               <a:t>Click to edit Master title style</a:t>
             </a:r>
             <a:endParaRPr lang="en-US" dirty="0"/>
@@ -2242,7 +2244,7 @@
           <a:p>
             <a:pPr lvl="0"/>
             <a:r>
-              <a:rPr lang="en-US" smtClean="0"/>
+              <a:rPr lang="en-US"/>
               <a:t>Edit Master text styles</a:t>
             </a:r>
           </a:p>
@@ -2309,7 +2311,7 @@
           <a:p>
             <a:pPr lvl="0"/>
             <a:r>
-              <a:rPr lang="en-US" smtClean="0"/>
+              <a:rPr lang="en-US"/>
               <a:t>Edit Master text styles</a:t>
             </a:r>
           </a:p>
@@ -2380,7 +2382,7 @@
           <a:p>
             <a:pPr lvl="0"/>
             <a:r>
-              <a:rPr lang="en-US" smtClean="0"/>
+              <a:rPr lang="en-US"/>
               <a:t>Edit Master text styles</a:t>
             </a:r>
           </a:p>
@@ -2447,7 +2449,7 @@
           <a:p>
             <a:pPr lvl="0"/>
             <a:r>
-              <a:rPr lang="en-US" smtClean="0"/>
+              <a:rPr lang="en-US"/>
               <a:t>Edit Master text styles</a:t>
             </a:r>
           </a:p>
@@ -2518,7 +2520,7 @@
           <a:p>
             <a:pPr lvl="0"/>
             <a:r>
-              <a:rPr lang="en-US" smtClean="0"/>
+              <a:rPr lang="en-US"/>
               <a:t>Edit Master text styles</a:t>
             </a:r>
           </a:p>
@@ -2585,7 +2587,7 @@
           <a:p>
             <a:pPr lvl="0"/>
             <a:r>
-              <a:rPr lang="en-US" smtClean="0"/>
+              <a:rPr lang="en-US"/>
               <a:t>Edit Master text styles</a:t>
             </a:r>
           </a:p>
@@ -2682,7 +2684,7 @@
           <a:p>
             <a:fld id="{4509A250-FF31-4206-8172-F9D3106AACB1}" type="datetimeFigureOut">
               <a:rPr lang="en-US" dirty="0"/>
-              <a:t>5/24/2019</a:t>
+              <a:t>5/26/2019</a:t>
             </a:fld>
             <a:endParaRPr lang="en-US" dirty="0"/>
           </a:p>
@@ -2775,7 +2777,7 @@
           </a:lstStyle>
           <a:p>
             <a:r>
-              <a:rPr lang="en-US" smtClean="0"/>
+              <a:rPr lang="en-US"/>
               <a:t>Click to edit Master title style</a:t>
             </a:r>
             <a:endParaRPr lang="en-US" dirty="0"/>
@@ -2847,7 +2849,7 @@
           <a:p>
             <a:pPr lvl="0"/>
             <a:r>
-              <a:rPr lang="en-US" smtClean="0"/>
+              <a:rPr lang="en-US"/>
               <a:t>Edit Master text styles</a:t>
             </a:r>
           </a:p>
@@ -2925,7 +2927,7 @@
           </a:lstStyle>
           <a:p>
             <a:r>
-              <a:rPr lang="en-US" smtClean="0"/>
+              <a:rPr lang="en-US"/>
               <a:t>Click icon to add picture</a:t>
             </a:r>
             <a:endParaRPr lang="en-US" dirty="0"/>
@@ -2993,7 +2995,7 @@
           <a:p>
             <a:pPr lvl="0"/>
             <a:r>
-              <a:rPr lang="en-US" smtClean="0"/>
+              <a:rPr lang="en-US"/>
               <a:t>Edit Master text styles</a:t>
             </a:r>
           </a:p>
@@ -3064,7 +3066,7 @@
           <a:p>
             <a:pPr lvl="0"/>
             <a:r>
-              <a:rPr lang="en-US" smtClean="0"/>
+              <a:rPr lang="en-US"/>
               <a:t>Edit Master text styles</a:t>
             </a:r>
           </a:p>
@@ -3142,7 +3144,7 @@
           </a:lstStyle>
           <a:p>
             <a:r>
-              <a:rPr lang="en-US" smtClean="0"/>
+              <a:rPr lang="en-US"/>
               <a:t>Click icon to add picture</a:t>
             </a:r>
             <a:endParaRPr lang="en-US" dirty="0"/>
@@ -3210,7 +3212,7 @@
           <a:p>
             <a:pPr lvl="0"/>
             <a:r>
-              <a:rPr lang="en-US" smtClean="0"/>
+              <a:rPr lang="en-US"/>
               <a:t>Edit Master text styles</a:t>
             </a:r>
           </a:p>
@@ -3281,7 +3283,7 @@
           <a:p>
             <a:pPr lvl="0"/>
             <a:r>
-              <a:rPr lang="en-US" smtClean="0"/>
+              <a:rPr lang="en-US"/>
               <a:t>Edit Master text styles</a:t>
             </a:r>
           </a:p>
@@ -3359,7 +3361,7 @@
           </a:lstStyle>
           <a:p>
             <a:r>
-              <a:rPr lang="en-US" smtClean="0"/>
+              <a:rPr lang="en-US"/>
               <a:t>Click icon to add picture</a:t>
             </a:r>
             <a:endParaRPr lang="en-US" dirty="0"/>
@@ -3427,7 +3429,7 @@
           <a:p>
             <a:pPr lvl="0"/>
             <a:r>
-              <a:rPr lang="en-US" smtClean="0"/>
+              <a:rPr lang="en-US"/>
               <a:t>Edit Master text styles</a:t>
             </a:r>
           </a:p>
@@ -3524,7 +3526,7 @@
           <a:p>
             <a:fld id="{4509A250-FF31-4206-8172-F9D3106AACB1}" type="datetimeFigureOut">
               <a:rPr lang="en-US" dirty="0"/>
-              <a:t>5/24/2019</a:t>
+              <a:t>5/26/2019</a:t>
             </a:fld>
             <a:endParaRPr lang="en-US" dirty="0"/>
           </a:p>
@@ -3613,7 +3615,7 @@
           <a:lstStyle/>
           <a:p>
             <a:r>
-              <a:rPr lang="en-US" smtClean="0"/>
+              <a:rPr lang="en-US"/>
               <a:t>Click to edit Master title style</a:t>
             </a:r>
             <a:endParaRPr lang="en-US" dirty="0"/>
@@ -3637,35 +3639,35 @@
           <a:p>
             <a:pPr lvl="0"/>
             <a:r>
-              <a:rPr lang="en-US" smtClean="0"/>
+              <a:rPr lang="en-US"/>
               <a:t>Edit Master text styles</a:t>
             </a:r>
           </a:p>
           <a:p>
             <a:pPr lvl="1"/>
             <a:r>
-              <a:rPr lang="en-US" smtClean="0"/>
+              <a:rPr lang="en-US"/>
               <a:t>Second level</a:t>
             </a:r>
           </a:p>
           <a:p>
             <a:pPr lvl="2"/>
             <a:r>
-              <a:rPr lang="en-US" smtClean="0"/>
+              <a:rPr lang="en-US"/>
               <a:t>Third level</a:t>
             </a:r>
           </a:p>
           <a:p>
             <a:pPr lvl="3"/>
             <a:r>
-              <a:rPr lang="en-US" smtClean="0"/>
+              <a:rPr lang="en-US"/>
               <a:t>Fourth level</a:t>
             </a:r>
           </a:p>
           <a:p>
             <a:pPr lvl="4"/>
             <a:r>
-              <a:rPr lang="en-US" smtClean="0"/>
+              <a:rPr lang="en-US"/>
               <a:t>Fifth level</a:t>
             </a:r>
             <a:endParaRPr lang="en-US" dirty="0"/>
@@ -3689,7 +3691,7 @@
           <a:p>
             <a:fld id="{4509A250-FF31-4206-8172-F9D3106AACB1}" type="datetimeFigureOut">
               <a:rPr lang="en-US" dirty="0"/>
-              <a:t>5/24/2019</a:t>
+              <a:t>5/26/2019</a:t>
             </a:fld>
             <a:endParaRPr lang="en-US" dirty="0"/>
           </a:p>
@@ -3783,7 +3785,7 @@
           <a:lstStyle/>
           <a:p>
             <a:r>
-              <a:rPr lang="en-US" smtClean="0"/>
+              <a:rPr lang="en-US"/>
               <a:t>Click to edit Master title style</a:t>
             </a:r>
             <a:endParaRPr lang="en-US" dirty="0"/>
@@ -3812,35 +3814,35 @@
           <a:p>
             <a:pPr lvl="0"/>
             <a:r>
-              <a:rPr lang="en-US" smtClean="0"/>
+              <a:rPr lang="en-US"/>
               <a:t>Edit Master text styles</a:t>
             </a:r>
           </a:p>
           <a:p>
             <a:pPr lvl="1"/>
             <a:r>
-              <a:rPr lang="en-US" smtClean="0"/>
+              <a:rPr lang="en-US"/>
               <a:t>Second level</a:t>
             </a:r>
           </a:p>
           <a:p>
             <a:pPr lvl="2"/>
             <a:r>
-              <a:rPr lang="en-US" smtClean="0"/>
+              <a:rPr lang="en-US"/>
               <a:t>Third level</a:t>
             </a:r>
           </a:p>
           <a:p>
             <a:pPr lvl="3"/>
             <a:r>
-              <a:rPr lang="en-US" smtClean="0"/>
+              <a:rPr lang="en-US"/>
               <a:t>Fourth level</a:t>
             </a:r>
           </a:p>
           <a:p>
             <a:pPr lvl="4"/>
             <a:r>
-              <a:rPr lang="en-US" smtClean="0"/>
+              <a:rPr lang="en-US"/>
               <a:t>Fifth level</a:t>
             </a:r>
             <a:endParaRPr lang="en-US" dirty="0"/>
@@ -3864,7 +3866,7 @@
           <a:p>
             <a:fld id="{4509A250-FF31-4206-8172-F9D3106AACB1}" type="datetimeFigureOut">
               <a:rPr lang="en-US" dirty="0"/>
-              <a:t>5/24/2019</a:t>
+              <a:t>5/26/2019</a:t>
             </a:fld>
             <a:endParaRPr lang="en-US" dirty="0"/>
           </a:p>
@@ -3953,7 +3955,7 @@
           <a:lstStyle/>
           <a:p>
             <a:r>
-              <a:rPr lang="en-US" smtClean="0"/>
+              <a:rPr lang="en-US"/>
               <a:t>Click to edit Master title style</a:t>
             </a:r>
             <a:endParaRPr lang="en-US" dirty="0"/>
@@ -3977,35 +3979,35 @@
           <a:p>
             <a:pPr lvl="0"/>
             <a:r>
-              <a:rPr lang="en-US" smtClean="0"/>
+              <a:rPr lang="en-US"/>
               <a:t>Edit Master text styles</a:t>
             </a:r>
           </a:p>
           <a:p>
             <a:pPr lvl="1"/>
             <a:r>
-              <a:rPr lang="en-US" smtClean="0"/>
+              <a:rPr lang="en-US"/>
               <a:t>Second level</a:t>
             </a:r>
           </a:p>
           <a:p>
             <a:pPr lvl="2"/>
             <a:r>
-              <a:rPr lang="en-US" smtClean="0"/>
+              <a:rPr lang="en-US"/>
               <a:t>Third level</a:t>
             </a:r>
           </a:p>
           <a:p>
             <a:pPr lvl="3"/>
             <a:r>
-              <a:rPr lang="en-US" smtClean="0"/>
+              <a:rPr lang="en-US"/>
               <a:t>Fourth level</a:t>
             </a:r>
           </a:p>
           <a:p>
             <a:pPr lvl="4"/>
             <a:r>
-              <a:rPr lang="en-US" smtClean="0"/>
+              <a:rPr lang="en-US"/>
               <a:t>Fifth level</a:t>
             </a:r>
             <a:endParaRPr lang="en-US" dirty="0"/>
@@ -4029,7 +4031,7 @@
           <a:p>
             <a:fld id="{4509A250-FF31-4206-8172-F9D3106AACB1}" type="datetimeFigureOut">
               <a:rPr lang="en-US" dirty="0"/>
-              <a:t>5/24/2019</a:t>
+              <a:t>5/26/2019</a:t>
             </a:fld>
             <a:endParaRPr lang="en-US" dirty="0"/>
           </a:p>
@@ -4127,7 +4129,7 @@
           </a:lstStyle>
           <a:p>
             <a:r>
-              <a:rPr lang="en-US" smtClean="0"/>
+              <a:rPr lang="en-US"/>
               <a:t>Click to edit Master title style</a:t>
             </a:r>
             <a:endParaRPr lang="en-US" dirty="0"/>
@@ -4245,7 +4247,7 @@
           <a:p>
             <a:pPr lvl="0"/>
             <a:r>
-              <a:rPr lang="en-US" smtClean="0"/>
+              <a:rPr lang="en-US"/>
               <a:t>Edit Master text styles</a:t>
             </a:r>
           </a:p>
@@ -4268,7 +4270,7 @@
           <a:p>
             <a:fld id="{4509A250-FF31-4206-8172-F9D3106AACB1}" type="datetimeFigureOut">
               <a:rPr lang="en-US" dirty="0"/>
-              <a:t>5/24/2019</a:t>
+              <a:t>5/26/2019</a:t>
             </a:fld>
             <a:endParaRPr lang="en-US" dirty="0"/>
           </a:p>
@@ -4357,7 +4359,7 @@
           <a:lstStyle/>
           <a:p>
             <a:r>
-              <a:rPr lang="en-US" smtClean="0"/>
+              <a:rPr lang="en-US"/>
               <a:t>Click to edit Master title style</a:t>
             </a:r>
             <a:endParaRPr lang="en-US" dirty="0"/>
@@ -4416,35 +4418,35 @@
           <a:p>
             <a:pPr lvl="0"/>
             <a:r>
-              <a:rPr lang="en-US" smtClean="0"/>
+              <a:rPr lang="en-US"/>
               <a:t>Edit Master text styles</a:t>
             </a:r>
           </a:p>
           <a:p>
             <a:pPr lvl="1"/>
             <a:r>
-              <a:rPr lang="en-US" smtClean="0"/>
+              <a:rPr lang="en-US"/>
               <a:t>Second level</a:t>
             </a:r>
           </a:p>
           <a:p>
             <a:pPr lvl="2"/>
             <a:r>
-              <a:rPr lang="en-US" smtClean="0"/>
+              <a:rPr lang="en-US"/>
               <a:t>Third level</a:t>
             </a:r>
           </a:p>
           <a:p>
             <a:pPr lvl="3"/>
             <a:r>
-              <a:rPr lang="en-US" smtClean="0"/>
+              <a:rPr lang="en-US"/>
               <a:t>Fourth level</a:t>
             </a:r>
           </a:p>
           <a:p>
             <a:pPr lvl="4"/>
             <a:r>
-              <a:rPr lang="en-US" smtClean="0"/>
+              <a:rPr lang="en-US"/>
               <a:t>Fifth level</a:t>
             </a:r>
             <a:endParaRPr lang="en-US" dirty="0"/>
@@ -4503,35 +4505,35 @@
           <a:p>
             <a:pPr lvl="0"/>
             <a:r>
-              <a:rPr lang="en-US" smtClean="0"/>
+              <a:rPr lang="en-US"/>
               <a:t>Edit Master text styles</a:t>
             </a:r>
           </a:p>
           <a:p>
             <a:pPr lvl="1"/>
             <a:r>
-              <a:rPr lang="en-US" smtClean="0"/>
+              <a:rPr lang="en-US"/>
               <a:t>Second level</a:t>
             </a:r>
           </a:p>
           <a:p>
             <a:pPr lvl="2"/>
             <a:r>
-              <a:rPr lang="en-US" smtClean="0"/>
+              <a:rPr lang="en-US"/>
               <a:t>Third level</a:t>
             </a:r>
           </a:p>
           <a:p>
             <a:pPr lvl="3"/>
             <a:r>
-              <a:rPr lang="en-US" smtClean="0"/>
+              <a:rPr lang="en-US"/>
               <a:t>Fourth level</a:t>
             </a:r>
           </a:p>
           <a:p>
             <a:pPr lvl="4"/>
             <a:r>
-              <a:rPr lang="en-US" smtClean="0"/>
+              <a:rPr lang="en-US"/>
               <a:t>Fifth level</a:t>
             </a:r>
             <a:endParaRPr lang="en-US" dirty="0"/>
@@ -4555,7 +4557,7 @@
           <a:p>
             <a:fld id="{4509A250-FF31-4206-8172-F9D3106AACB1}" type="datetimeFigureOut">
               <a:rPr lang="en-US" dirty="0"/>
-              <a:t>5/24/2019</a:t>
+              <a:t>5/26/2019</a:t>
             </a:fld>
             <a:endParaRPr lang="en-US" dirty="0"/>
           </a:p>
@@ -4648,7 +4650,7 @@
           </a:lstStyle>
           <a:p>
             <a:r>
-              <a:rPr lang="en-US" smtClean="0"/>
+              <a:rPr lang="en-US"/>
               <a:t>Click to edit Master title style</a:t>
             </a:r>
             <a:endParaRPr lang="en-US" dirty="0"/>
@@ -4720,7 +4722,7 @@
           <a:p>
             <a:pPr lvl="0"/>
             <a:r>
-              <a:rPr lang="en-US" smtClean="0"/>
+              <a:rPr lang="en-US"/>
               <a:t>Edit Master text styles</a:t>
             </a:r>
           </a:p>
@@ -4778,35 +4780,35 @@
           <a:p>
             <a:pPr lvl="0"/>
             <a:r>
-              <a:rPr lang="en-US" smtClean="0"/>
+              <a:rPr lang="en-US"/>
               <a:t>Edit Master text styles</a:t>
             </a:r>
           </a:p>
           <a:p>
             <a:pPr lvl="1"/>
             <a:r>
-              <a:rPr lang="en-US" smtClean="0"/>
+              <a:rPr lang="en-US"/>
               <a:t>Second level</a:t>
             </a:r>
           </a:p>
           <a:p>
             <a:pPr lvl="2"/>
             <a:r>
-              <a:rPr lang="en-US" smtClean="0"/>
+              <a:rPr lang="en-US"/>
               <a:t>Third level</a:t>
             </a:r>
           </a:p>
           <a:p>
             <a:pPr lvl="3"/>
             <a:r>
-              <a:rPr lang="en-US" smtClean="0"/>
+              <a:rPr lang="en-US"/>
               <a:t>Fourth level</a:t>
             </a:r>
           </a:p>
           <a:p>
             <a:pPr lvl="4"/>
             <a:r>
-              <a:rPr lang="en-US" smtClean="0"/>
+              <a:rPr lang="en-US"/>
               <a:t>Fifth level</a:t>
             </a:r>
             <a:endParaRPr lang="en-US" dirty="0"/>
@@ -4878,7 +4880,7 @@
           <a:p>
             <a:pPr lvl="0"/>
             <a:r>
-              <a:rPr lang="en-US" smtClean="0"/>
+              <a:rPr lang="en-US"/>
               <a:t>Edit Master text styles</a:t>
             </a:r>
           </a:p>
@@ -4936,35 +4938,35 @@
           <a:p>
             <a:pPr lvl="0"/>
             <a:r>
-              <a:rPr lang="en-US" smtClean="0"/>
+              <a:rPr lang="en-US"/>
               <a:t>Edit Master text styles</a:t>
             </a:r>
           </a:p>
           <a:p>
             <a:pPr lvl="1"/>
             <a:r>
-              <a:rPr lang="en-US" smtClean="0"/>
+              <a:rPr lang="en-US"/>
               <a:t>Second level</a:t>
             </a:r>
           </a:p>
           <a:p>
             <a:pPr lvl="2"/>
             <a:r>
-              <a:rPr lang="en-US" smtClean="0"/>
+              <a:rPr lang="en-US"/>
               <a:t>Third level</a:t>
             </a:r>
           </a:p>
           <a:p>
             <a:pPr lvl="3"/>
             <a:r>
-              <a:rPr lang="en-US" smtClean="0"/>
+              <a:rPr lang="en-US"/>
               <a:t>Fourth level</a:t>
             </a:r>
           </a:p>
           <a:p>
             <a:pPr lvl="4"/>
             <a:r>
-              <a:rPr lang="en-US" smtClean="0"/>
+              <a:rPr lang="en-US"/>
               <a:t>Fifth level</a:t>
             </a:r>
             <a:endParaRPr lang="en-US" dirty="0"/>
@@ -4988,7 +4990,7 @@
           <a:p>
             <a:fld id="{4509A250-FF31-4206-8172-F9D3106AACB1}" type="datetimeFigureOut">
               <a:rPr lang="en-US" dirty="0"/>
-              <a:t>5/24/2019</a:t>
+              <a:t>5/26/2019</a:t>
             </a:fld>
             <a:endParaRPr lang="en-US" dirty="0"/>
           </a:p>
@@ -5077,7 +5079,7 @@
           <a:lstStyle/>
           <a:p>
             <a:r>
-              <a:rPr lang="en-US" smtClean="0"/>
+              <a:rPr lang="en-US"/>
               <a:t>Click to edit Master title style</a:t>
             </a:r>
             <a:endParaRPr lang="en-US" dirty="0"/>
@@ -5101,7 +5103,7 @@
           <a:p>
             <a:fld id="{4509A250-FF31-4206-8172-F9D3106AACB1}" type="datetimeFigureOut">
               <a:rPr lang="en-US" dirty="0"/>
-              <a:t>5/24/2019</a:t>
+              <a:t>5/26/2019</a:t>
             </a:fld>
             <a:endParaRPr lang="en-US" dirty="0"/>
           </a:p>
@@ -5191,7 +5193,7 @@
           <a:p>
             <a:fld id="{4509A250-FF31-4206-8172-F9D3106AACB1}" type="datetimeFigureOut">
               <a:rPr lang="en-US" dirty="0"/>
-              <a:t>5/24/2019</a:t>
+              <a:t>5/26/2019</a:t>
             </a:fld>
             <a:endParaRPr lang="en-US" dirty="0"/>
           </a:p>
@@ -5289,7 +5291,7 @@
           </a:lstStyle>
           <a:p>
             <a:r>
-              <a:rPr lang="en-US" smtClean="0"/>
+              <a:rPr lang="en-US"/>
               <a:t>Click to edit Master title style</a:t>
             </a:r>
             <a:endParaRPr lang="en-US" dirty="0"/>
@@ -5348,35 +5350,35 @@
           <a:p>
             <a:pPr lvl="0"/>
             <a:r>
-              <a:rPr lang="en-US" smtClean="0"/>
+              <a:rPr lang="en-US"/>
               <a:t>Edit Master text styles</a:t>
             </a:r>
           </a:p>
           <a:p>
             <a:pPr lvl="1"/>
             <a:r>
-              <a:rPr lang="en-US" smtClean="0"/>
+              <a:rPr lang="en-US"/>
               <a:t>Second level</a:t>
             </a:r>
           </a:p>
           <a:p>
             <a:pPr lvl="2"/>
             <a:r>
-              <a:rPr lang="en-US" smtClean="0"/>
+              <a:rPr lang="en-US"/>
               <a:t>Third level</a:t>
             </a:r>
           </a:p>
           <a:p>
             <a:pPr lvl="3"/>
             <a:r>
-              <a:rPr lang="en-US" smtClean="0"/>
+              <a:rPr lang="en-US"/>
               <a:t>Fourth level</a:t>
             </a:r>
           </a:p>
           <a:p>
             <a:pPr lvl="4"/>
             <a:r>
-              <a:rPr lang="en-US" smtClean="0"/>
+              <a:rPr lang="en-US"/>
               <a:t>Fifth level</a:t>
             </a:r>
             <a:endParaRPr lang="en-US" dirty="0"/>
@@ -5442,7 +5444,7 @@
           <a:p>
             <a:pPr lvl="0"/>
             <a:r>
-              <a:rPr lang="en-US" smtClean="0"/>
+              <a:rPr lang="en-US"/>
               <a:t>Edit Master text styles</a:t>
             </a:r>
           </a:p>
@@ -5465,7 +5467,7 @@
           <a:p>
             <a:fld id="{4509A250-FF31-4206-8172-F9D3106AACB1}" type="datetimeFigureOut">
               <a:rPr lang="en-US" dirty="0"/>
-              <a:t>5/24/2019</a:t>
+              <a:t>5/26/2019</a:t>
             </a:fld>
             <a:endParaRPr lang="en-US" dirty="0"/>
           </a:p>
@@ -5565,7 +5567,7 @@
           </a:lstStyle>
           <a:p>
             <a:r>
-              <a:rPr lang="en-US" smtClean="0"/>
+              <a:rPr lang="en-US"/>
               <a:t>Click to edit Master title style</a:t>
             </a:r>
             <a:endParaRPr lang="en-US" dirty="0"/>
@@ -5644,7 +5646,7 @@
           </a:lstStyle>
           <a:p>
             <a:r>
-              <a:rPr lang="en-US" smtClean="0"/>
+              <a:rPr lang="en-US"/>
               <a:t>Click icon to add picture</a:t>
             </a:r>
             <a:endParaRPr lang="en-US" dirty="0"/>
@@ -5712,7 +5714,7 @@
           <a:p>
             <a:pPr lvl="0"/>
             <a:r>
-              <a:rPr lang="en-US" smtClean="0"/>
+              <a:rPr lang="en-US"/>
               <a:t>Edit Master text styles</a:t>
             </a:r>
           </a:p>
@@ -5735,7 +5737,7 @@
           <a:p>
             <a:fld id="{4509A250-FF31-4206-8172-F9D3106AACB1}" type="datetimeFigureOut">
               <a:rPr lang="en-US" dirty="0"/>
-              <a:t>5/24/2019</a:t>
+              <a:t>5/26/2019</a:t>
             </a:fld>
             <a:endParaRPr lang="en-US" dirty="0"/>
           </a:p>
@@ -6054,7 +6056,7 @@
           <a:lstStyle/>
           <a:p>
             <a:r>
-              <a:rPr lang="en-US" smtClean="0"/>
+              <a:rPr lang="en-US"/>
               <a:t>Click to edit Master title style</a:t>
             </a:r>
             <a:endParaRPr lang="en-US" dirty="0"/>
@@ -6088,35 +6090,35 @@
           <a:p>
             <a:pPr lvl="0"/>
             <a:r>
-              <a:rPr lang="en-US" smtClean="0"/>
+              <a:rPr lang="en-US"/>
               <a:t>Edit Master text styles</a:t>
             </a:r>
           </a:p>
           <a:p>
             <a:pPr lvl="1"/>
             <a:r>
-              <a:rPr lang="en-US" smtClean="0"/>
+              <a:rPr lang="en-US"/>
               <a:t>Second level</a:t>
             </a:r>
           </a:p>
           <a:p>
             <a:pPr lvl="2"/>
             <a:r>
-              <a:rPr lang="en-US" smtClean="0"/>
+              <a:rPr lang="en-US"/>
               <a:t>Third level</a:t>
             </a:r>
           </a:p>
           <a:p>
             <a:pPr lvl="3"/>
             <a:r>
-              <a:rPr lang="en-US" smtClean="0"/>
+              <a:rPr lang="en-US"/>
               <a:t>Fourth level</a:t>
             </a:r>
           </a:p>
           <a:p>
             <a:pPr lvl="4"/>
             <a:r>
-              <a:rPr lang="en-US" smtClean="0"/>
+              <a:rPr lang="en-US"/>
               <a:t>Fifth level</a:t>
             </a:r>
             <a:endParaRPr lang="en-US" dirty="0"/>
@@ -6159,7 +6161,7 @@
           <a:p>
             <a:fld id="{4509A250-FF31-4206-8172-F9D3106AACB1}" type="datetimeFigureOut">
               <a:rPr lang="en-US" dirty="0"/>
-              <a:t>5/24/2019</a:t>
+              <a:t>5/26/2019</a:t>
             </a:fld>
             <a:endParaRPr lang="en-US" dirty="0"/>
           </a:p>
@@ -6749,14 +6751,14 @@
           <a:lstStyle/>
           <a:p>
             <a:r>
-              <a:rPr lang="en-US" dirty="0" smtClean="0"/>
+              <a:rPr lang="en-US" dirty="0"/>
               <a:t>JSON</a:t>
             </a:r>
             <a:br>
-              <a:rPr lang="en-US" dirty="0" smtClean="0"/>
+              <a:rPr lang="en-US" dirty="0"/>
             </a:br>
             <a:r>
-              <a:rPr lang="en-US" sz="4000" dirty="0" smtClean="0"/>
+              <a:rPr lang="en-US" sz="4000" dirty="0"/>
               <a:t>JavaScript Object Notation</a:t>
             </a:r>
             <a:endParaRPr lang="ru-RU" sz="4000" dirty="0"/>
@@ -6792,16 +6794,15 @@
           <a:lstStyle/>
           <a:p>
             <a:r>
-              <a:rPr lang="en-US" dirty="0" smtClean="0"/>
+              <a:rPr lang="en-US" dirty="0"/>
               <a:t>William Thomason</a:t>
             </a:r>
           </a:p>
           <a:p>
             <a:r>
-              <a:rPr lang="en-US" dirty="0" smtClean="0"/>
+              <a:rPr lang="en-US" dirty="0"/>
               <a:t>WEB-335, Presentation 4.2</a:t>
             </a:r>
-            <a:endParaRPr lang="en-US" dirty="0"/>
           </a:p>
         </p:txBody>
       </p:sp>
@@ -6813,7 +6814,7 @@
                 <a16:creationId xmlns:a16="http://schemas.microsoft.com/office/drawing/2014/main" id="{318E9D62-7BA3-4D5E-8915-0D0E8661E3D7}"/>
               </a:ext>
               <a:ext uri="{C183D7F6-B498-43B3-948B-1728B52AA6E4}">
-                <adec:decorative xmlns:adec="http://schemas.microsoft.com/office/drawing/2017/decorative" xmlns="" val="1"/>
+                <adec:decorative xmlns:adec="http://schemas.microsoft.com/office/drawing/2017/decorative" val="1"/>
               </a:ext>
             </a:extLst>
           </p:cNvPr>
@@ -6868,491 +6869,10 @@
   <p:clrMapOvr>
     <a:masterClrMapping/>
   </p:clrMapOvr>
-  <p:timing>
-    <p:tnLst>
-      <p:par>
-        <p:cTn id="1" dur="indefinite" restart="never" nodeType="tmRoot"/>
-      </p:par>
-    </p:tnLst>
-  </p:timing>
 </p:sld>
 </file>
 
-<file path=ppt/slides/slide2.xml><?xml version="1.0" encoding="utf-8"?>
-<p:sld xmlns:a="http://schemas.openxmlformats.org/drawingml/2006/main" xmlns:r="http://schemas.openxmlformats.org/officeDocument/2006/relationships" xmlns:p="http://schemas.openxmlformats.org/presentationml/2006/main">
-  <p:cSld>
-    <p:spTree>
-      <p:nvGrpSpPr>
-        <p:cNvPr id="1" name=""/>
-        <p:cNvGrpSpPr/>
-        <p:nvPr/>
-      </p:nvGrpSpPr>
-      <p:grpSpPr>
-        <a:xfrm>
-          <a:off x="0" y="0"/>
-          <a:ext cx="0" cy="0"/>
-          <a:chOff x="0" y="0"/>
-          <a:chExt cx="0" cy="0"/>
-        </a:xfrm>
-      </p:grpSpPr>
-      <p:sp>
-        <p:nvSpPr>
-          <p:cNvPr id="2" name="Title 1"/>
-          <p:cNvSpPr>
-            <a:spLocks noGrp="1"/>
-          </p:cNvSpPr>
-          <p:nvPr>
-            <p:ph type="title"/>
-          </p:nvPr>
-        </p:nvSpPr>
-        <p:spPr/>
-        <p:txBody>
-          <a:bodyPr/>
-          <a:lstStyle/>
-          <a:p>
-            <a:r>
-              <a:rPr lang="en-US" dirty="0" smtClean="0"/>
-              <a:t>What are JSON API’s?</a:t>
-            </a:r>
-            <a:endParaRPr lang="en-US" dirty="0"/>
-          </a:p>
-        </p:txBody>
-      </p:sp>
-      <p:sp>
-        <p:nvSpPr>
-          <p:cNvPr id="3" name="Content Placeholder 2"/>
-          <p:cNvSpPr>
-            <a:spLocks noGrp="1"/>
-          </p:cNvSpPr>
-          <p:nvPr>
-            <p:ph idx="1"/>
-          </p:nvPr>
-        </p:nvSpPr>
-        <p:spPr/>
-        <p:txBody>
-          <a:bodyPr/>
-          <a:lstStyle/>
-          <a:p>
-            <a:endParaRPr lang="en-US"/>
-          </a:p>
-        </p:txBody>
-      </p:sp>
-    </p:spTree>
-    <p:extLst>
-      <p:ext uri="{BB962C8B-B14F-4D97-AF65-F5344CB8AC3E}">
-        <p14:creationId xmlns:p14="http://schemas.microsoft.com/office/powerpoint/2010/main" val="3353632627"/>
-      </p:ext>
-    </p:extLst>
-  </p:cSld>
-  <p:clrMapOvr>
-    <a:masterClrMapping/>
-  </p:clrMapOvr>
-  <p:timing>
-    <p:tnLst>
-      <p:par>
-        <p:cTn id="1" dur="indefinite" restart="never" nodeType="tmRoot"/>
-      </p:par>
-    </p:tnLst>
-  </p:timing>
-</p:sld>
-</file>
-
-<file path=ppt/slides/slide3.xml><?xml version="1.0" encoding="utf-8"?>
-<p:sld xmlns:a="http://schemas.openxmlformats.org/drawingml/2006/main" xmlns:r="http://schemas.openxmlformats.org/officeDocument/2006/relationships" xmlns:p="http://schemas.openxmlformats.org/presentationml/2006/main">
-  <p:cSld>
-    <p:spTree>
-      <p:nvGrpSpPr>
-        <p:cNvPr id="1" name=""/>
-        <p:cNvGrpSpPr/>
-        <p:nvPr/>
-      </p:nvGrpSpPr>
-      <p:grpSpPr>
-        <a:xfrm>
-          <a:off x="0" y="0"/>
-          <a:ext cx="0" cy="0"/>
-          <a:chOff x="0" y="0"/>
-          <a:chExt cx="0" cy="0"/>
-        </a:xfrm>
-      </p:grpSpPr>
-      <p:sp>
-        <p:nvSpPr>
-          <p:cNvPr id="2" name="Title 1"/>
-          <p:cNvSpPr>
-            <a:spLocks noGrp="1"/>
-          </p:cNvSpPr>
-          <p:nvPr>
-            <p:ph type="title"/>
-          </p:nvPr>
-        </p:nvSpPr>
-        <p:spPr/>
-        <p:txBody>
-          <a:bodyPr/>
-          <a:lstStyle/>
-          <a:p>
-            <a:r>
-              <a:rPr lang="en-US" dirty="0" smtClean="0"/>
-              <a:t>How they differ from SOAP API’s</a:t>
-            </a:r>
-            <a:endParaRPr lang="en-US" dirty="0"/>
-          </a:p>
-        </p:txBody>
-      </p:sp>
-      <p:sp>
-        <p:nvSpPr>
-          <p:cNvPr id="3" name="Content Placeholder 2"/>
-          <p:cNvSpPr>
-            <a:spLocks noGrp="1"/>
-          </p:cNvSpPr>
-          <p:nvPr>
-            <p:ph idx="1"/>
-          </p:nvPr>
-        </p:nvSpPr>
-        <p:spPr/>
-        <p:txBody>
-          <a:bodyPr/>
-          <a:lstStyle/>
-          <a:p>
-            <a:endParaRPr lang="en-US"/>
-          </a:p>
-        </p:txBody>
-      </p:sp>
-    </p:spTree>
-    <p:extLst>
-      <p:ext uri="{BB962C8B-B14F-4D97-AF65-F5344CB8AC3E}">
-        <p14:creationId xmlns:p14="http://schemas.microsoft.com/office/powerpoint/2010/main" val="2862105015"/>
-      </p:ext>
-    </p:extLst>
-  </p:cSld>
-  <p:clrMapOvr>
-    <a:masterClrMapping/>
-  </p:clrMapOvr>
-  <p:timing>
-    <p:tnLst>
-      <p:par>
-        <p:cTn id="1" dur="indefinite" restart="never" nodeType="tmRoot"/>
-      </p:par>
-    </p:tnLst>
-  </p:timing>
-</p:sld>
-</file>
-
-<file path=ppt/slides/slide4.xml><?xml version="1.0" encoding="utf-8"?>
-<p:sld xmlns:a="http://schemas.openxmlformats.org/drawingml/2006/main" xmlns:r="http://schemas.openxmlformats.org/officeDocument/2006/relationships" xmlns:p="http://schemas.openxmlformats.org/presentationml/2006/main">
-  <p:cSld>
-    <p:spTree>
-      <p:nvGrpSpPr>
-        <p:cNvPr id="1" name=""/>
-        <p:cNvGrpSpPr/>
-        <p:nvPr/>
-      </p:nvGrpSpPr>
-      <p:grpSpPr>
-        <a:xfrm>
-          <a:off x="0" y="0"/>
-          <a:ext cx="0" cy="0"/>
-          <a:chOff x="0" y="0"/>
-          <a:chExt cx="0" cy="0"/>
-        </a:xfrm>
-      </p:grpSpPr>
-      <p:sp>
-        <p:nvSpPr>
-          <p:cNvPr id="2" name="Title 1"/>
-          <p:cNvSpPr>
-            <a:spLocks noGrp="1"/>
-          </p:cNvSpPr>
-          <p:nvPr>
-            <p:ph type="title"/>
-          </p:nvPr>
-        </p:nvSpPr>
-        <p:spPr/>
-        <p:txBody>
-          <a:bodyPr/>
-          <a:lstStyle/>
-          <a:p>
-            <a:r>
-              <a:rPr lang="en-US" dirty="0" smtClean="0"/>
-              <a:t>JSON Request Header</a:t>
-            </a:r>
-            <a:endParaRPr lang="en-US" dirty="0"/>
-          </a:p>
-        </p:txBody>
-      </p:sp>
-      <p:sp>
-        <p:nvSpPr>
-          <p:cNvPr id="3" name="Content Placeholder 2"/>
-          <p:cNvSpPr>
-            <a:spLocks noGrp="1"/>
-          </p:cNvSpPr>
-          <p:nvPr>
-            <p:ph idx="1"/>
-          </p:nvPr>
-        </p:nvSpPr>
-        <p:spPr/>
-        <p:txBody>
-          <a:bodyPr/>
-          <a:lstStyle/>
-          <a:p>
-            <a:endParaRPr lang="en-US"/>
-          </a:p>
-        </p:txBody>
-      </p:sp>
-    </p:spTree>
-    <p:extLst>
-      <p:ext uri="{BB962C8B-B14F-4D97-AF65-F5344CB8AC3E}">
-        <p14:creationId xmlns:p14="http://schemas.microsoft.com/office/powerpoint/2010/main" val="3203569686"/>
-      </p:ext>
-    </p:extLst>
-  </p:cSld>
-  <p:clrMapOvr>
-    <a:masterClrMapping/>
-  </p:clrMapOvr>
-  <p:timing>
-    <p:tnLst>
-      <p:par>
-        <p:cTn id="1" dur="indefinite" restart="never" nodeType="tmRoot"/>
-      </p:par>
-    </p:tnLst>
-  </p:timing>
-</p:sld>
-</file>
-
-<file path=ppt/slides/slide5.xml><?xml version="1.0" encoding="utf-8"?>
-<p:sld xmlns:a="http://schemas.openxmlformats.org/drawingml/2006/main" xmlns:r="http://schemas.openxmlformats.org/officeDocument/2006/relationships" xmlns:p="http://schemas.openxmlformats.org/presentationml/2006/main">
-  <p:cSld>
-    <p:spTree>
-      <p:nvGrpSpPr>
-        <p:cNvPr id="1" name=""/>
-        <p:cNvGrpSpPr/>
-        <p:nvPr/>
-      </p:nvGrpSpPr>
-      <p:grpSpPr>
-        <a:xfrm>
-          <a:off x="0" y="0"/>
-          <a:ext cx="0" cy="0"/>
-          <a:chOff x="0" y="0"/>
-          <a:chExt cx="0" cy="0"/>
-        </a:xfrm>
-      </p:grpSpPr>
-      <p:sp>
-        <p:nvSpPr>
-          <p:cNvPr id="2" name="Title 1"/>
-          <p:cNvSpPr>
-            <a:spLocks noGrp="1"/>
-          </p:cNvSpPr>
-          <p:nvPr>
-            <p:ph type="title"/>
-          </p:nvPr>
-        </p:nvSpPr>
-        <p:spPr/>
-        <p:txBody>
-          <a:bodyPr/>
-          <a:lstStyle/>
-          <a:p>
-            <a:r>
-              <a:rPr lang="en-US" dirty="0" smtClean="0"/>
-              <a:t>JSON Request Body</a:t>
-            </a:r>
-            <a:endParaRPr lang="en-US" dirty="0"/>
-          </a:p>
-        </p:txBody>
-      </p:sp>
-      <p:sp>
-        <p:nvSpPr>
-          <p:cNvPr id="3" name="Content Placeholder 2"/>
-          <p:cNvSpPr>
-            <a:spLocks noGrp="1"/>
-          </p:cNvSpPr>
-          <p:nvPr>
-            <p:ph idx="1"/>
-          </p:nvPr>
-        </p:nvSpPr>
-        <p:spPr/>
-        <p:txBody>
-          <a:bodyPr/>
-          <a:lstStyle/>
-          <a:p>
-            <a:endParaRPr lang="en-US"/>
-          </a:p>
-        </p:txBody>
-      </p:sp>
-    </p:spTree>
-    <p:extLst>
-      <p:ext uri="{BB962C8B-B14F-4D97-AF65-F5344CB8AC3E}">
-        <p14:creationId xmlns:p14="http://schemas.microsoft.com/office/powerpoint/2010/main" val="1035687552"/>
-      </p:ext>
-    </p:extLst>
-  </p:cSld>
-  <p:clrMapOvr>
-    <a:masterClrMapping/>
-  </p:clrMapOvr>
-  <p:timing>
-    <p:tnLst>
-      <p:par>
-        <p:cTn id="1" dur="indefinite" restart="never" nodeType="tmRoot"/>
-      </p:par>
-    </p:tnLst>
-  </p:timing>
-</p:sld>
-</file>
-
-<file path=ppt/slides/slide6.xml><?xml version="1.0" encoding="utf-8"?>
-<p:sld xmlns:a="http://schemas.openxmlformats.org/drawingml/2006/main" xmlns:r="http://schemas.openxmlformats.org/officeDocument/2006/relationships" xmlns:p="http://schemas.openxmlformats.org/presentationml/2006/main">
-  <p:cSld>
-    <p:spTree>
-      <p:nvGrpSpPr>
-        <p:cNvPr id="1" name=""/>
-        <p:cNvGrpSpPr/>
-        <p:nvPr/>
-      </p:nvGrpSpPr>
-      <p:grpSpPr>
-        <a:xfrm>
-          <a:off x="0" y="0"/>
-          <a:ext cx="0" cy="0"/>
-          <a:chOff x="0" y="0"/>
-          <a:chExt cx="0" cy="0"/>
-        </a:xfrm>
-      </p:grpSpPr>
-      <p:sp>
-        <p:nvSpPr>
-          <p:cNvPr id="2" name="Title 1"/>
-          <p:cNvSpPr>
-            <a:spLocks noGrp="1"/>
-          </p:cNvSpPr>
-          <p:nvPr>
-            <p:ph type="title"/>
-          </p:nvPr>
-        </p:nvSpPr>
-        <p:spPr/>
-        <p:txBody>
-          <a:bodyPr/>
-          <a:lstStyle/>
-          <a:p>
-            <a:r>
-              <a:rPr lang="en-US" dirty="0" smtClean="0"/>
-              <a:t>JSON Response Body</a:t>
-            </a:r>
-            <a:endParaRPr lang="en-US" dirty="0"/>
-          </a:p>
-        </p:txBody>
-      </p:sp>
-      <p:sp>
-        <p:nvSpPr>
-          <p:cNvPr id="3" name="Content Placeholder 2"/>
-          <p:cNvSpPr>
-            <a:spLocks noGrp="1"/>
-          </p:cNvSpPr>
-          <p:nvPr>
-            <p:ph idx="1"/>
-          </p:nvPr>
-        </p:nvSpPr>
-        <p:spPr/>
-        <p:txBody>
-          <a:bodyPr/>
-          <a:lstStyle/>
-          <a:p>
-            <a:endParaRPr lang="en-US"/>
-          </a:p>
-        </p:txBody>
-      </p:sp>
-    </p:spTree>
-    <p:extLst>
-      <p:ext uri="{BB962C8B-B14F-4D97-AF65-F5344CB8AC3E}">
-        <p14:creationId xmlns:p14="http://schemas.microsoft.com/office/powerpoint/2010/main" val="3470695531"/>
-      </p:ext>
-    </p:extLst>
-  </p:cSld>
-  <p:clrMapOvr>
-    <a:masterClrMapping/>
-  </p:clrMapOvr>
-  <p:timing>
-    <p:tnLst>
-      <p:par>
-        <p:cTn id="1" dur="indefinite" restart="never" nodeType="tmRoot"/>
-      </p:par>
-    </p:tnLst>
-  </p:timing>
-</p:sld>
-</file>
-
-<file path=ppt/slides/slide7.xml><?xml version="1.0" encoding="utf-8"?>
-<p:sld xmlns:a="http://schemas.openxmlformats.org/drawingml/2006/main" xmlns:r="http://schemas.openxmlformats.org/officeDocument/2006/relationships" xmlns:p="http://schemas.openxmlformats.org/presentationml/2006/main">
-  <p:cSld>
-    <p:spTree>
-      <p:nvGrpSpPr>
-        <p:cNvPr id="1" name=""/>
-        <p:cNvGrpSpPr/>
-        <p:nvPr/>
-      </p:nvGrpSpPr>
-      <p:grpSpPr>
-        <a:xfrm>
-          <a:off x="0" y="0"/>
-          <a:ext cx="0" cy="0"/>
-          <a:chOff x="0" y="0"/>
-          <a:chExt cx="0" cy="0"/>
-        </a:xfrm>
-      </p:grpSpPr>
-      <p:sp>
-        <p:nvSpPr>
-          <p:cNvPr id="2" name="Title 1"/>
-          <p:cNvSpPr>
-            <a:spLocks noGrp="1"/>
-          </p:cNvSpPr>
-          <p:nvPr>
-            <p:ph type="title"/>
-          </p:nvPr>
-        </p:nvSpPr>
-        <p:spPr/>
-        <p:txBody>
-          <a:bodyPr/>
-          <a:lstStyle/>
-          <a:p>
-            <a:r>
-              <a:rPr lang="en-US" dirty="0" smtClean="0"/>
-              <a:t>References </a:t>
-            </a:r>
-            <a:endParaRPr lang="en-US" dirty="0"/>
-          </a:p>
-        </p:txBody>
-      </p:sp>
-      <p:sp>
-        <p:nvSpPr>
-          <p:cNvPr id="3" name="Content Placeholder 2"/>
-          <p:cNvSpPr>
-            <a:spLocks noGrp="1"/>
-          </p:cNvSpPr>
-          <p:nvPr>
-            <p:ph idx="1"/>
-          </p:nvPr>
-        </p:nvSpPr>
-        <p:spPr/>
-        <p:txBody>
-          <a:bodyPr/>
-          <a:lstStyle/>
-          <a:p>
-            <a:endParaRPr lang="en-US" dirty="0"/>
-          </a:p>
-        </p:txBody>
-      </p:sp>
-    </p:spTree>
-    <p:extLst>
-      <p:ext uri="{BB962C8B-B14F-4D97-AF65-F5344CB8AC3E}">
-        <p14:creationId xmlns:p14="http://schemas.microsoft.com/office/powerpoint/2010/main" val="1831838045"/>
-      </p:ext>
-    </p:extLst>
-  </p:cSld>
-  <p:clrMapOvr>
-    <a:masterClrMapping/>
-  </p:clrMapOvr>
-  <p:timing>
-    <p:tnLst>
-      <p:par>
-        <p:cTn id="1" dur="indefinite" restart="never" nodeType="tmRoot"/>
-      </p:par>
-    </p:tnLst>
-  </p:timing>
-</p:sld>
-</file>
-
-<file path=ppt/slides/slide8.xml><?xml version="1.0" encoding="utf-8"?>
+<file path=ppt/slides/slide10.xml><?xml version="1.0" encoding="utf-8"?>
 <p:sld xmlns:a="http://schemas.openxmlformats.org/drawingml/2006/main" xmlns:r="http://schemas.openxmlformats.org/officeDocument/2006/relationships" xmlns:p="http://schemas.openxmlformats.org/presentationml/2006/main">
   <p:cSld>
     <p:bg>
@@ -7498,7 +7018,7 @@
           <a:lstStyle/>
           <a:p>
             <a:r>
-              <a:rPr lang="en-US" dirty="0" smtClean="0"/>
+              <a:rPr lang="en-US" dirty="0"/>
               <a:t>William@williamthomason.info</a:t>
             </a:r>
             <a:endParaRPr lang="ru-RU" dirty="0"/>
@@ -7513,7 +7033,7 @@
                 <a16:creationId xmlns:a16="http://schemas.microsoft.com/office/drawing/2014/main" id="{318E9D62-7BA3-4D5E-8915-0D0E8661E3D7}"/>
               </a:ext>
               <a:ext uri="{C183D7F6-B498-43B3-948B-1728B52AA6E4}">
-                <adec:decorative xmlns:adec="http://schemas.microsoft.com/office/drawing/2017/decorative" xmlns="" val="1"/>
+                <adec:decorative xmlns:adec="http://schemas.microsoft.com/office/drawing/2017/decorative" val="1"/>
               </a:ext>
             </a:extLst>
           </p:cNvPr>
@@ -7568,13 +7088,749 @@
   <p:clrMapOvr>
     <a:masterClrMapping/>
   </p:clrMapOvr>
-  <p:timing>
-    <p:tnLst>
-      <p:par>
-        <p:cTn id="1" dur="indefinite" restart="never" nodeType="tmRoot"/>
-      </p:par>
-    </p:tnLst>
-  </p:timing>
+</p:sld>
+</file>
+
+<file path=ppt/slides/slide2.xml><?xml version="1.0" encoding="utf-8"?>
+<p:sld xmlns:a="http://schemas.openxmlformats.org/drawingml/2006/main" xmlns:r="http://schemas.openxmlformats.org/officeDocument/2006/relationships" xmlns:p="http://schemas.openxmlformats.org/presentationml/2006/main">
+  <p:cSld>
+    <p:spTree>
+      <p:nvGrpSpPr>
+        <p:cNvPr id="1" name=""/>
+        <p:cNvGrpSpPr/>
+        <p:nvPr/>
+      </p:nvGrpSpPr>
+      <p:grpSpPr>
+        <a:xfrm>
+          <a:off x="0" y="0"/>
+          <a:ext cx="0" cy="0"/>
+          <a:chOff x="0" y="0"/>
+          <a:chExt cx="0" cy="0"/>
+        </a:xfrm>
+      </p:grpSpPr>
+      <p:sp>
+        <p:nvSpPr>
+          <p:cNvPr id="2" name="Title 1"/>
+          <p:cNvSpPr>
+            <a:spLocks noGrp="1"/>
+          </p:cNvSpPr>
+          <p:nvPr>
+            <p:ph type="title"/>
+          </p:nvPr>
+        </p:nvSpPr>
+        <p:spPr/>
+        <p:txBody>
+          <a:bodyPr/>
+          <a:lstStyle/>
+          <a:p>
+            <a:r>
+              <a:rPr lang="en-US" dirty="0"/>
+              <a:t>What are JSON API’s?</a:t>
+            </a:r>
+          </a:p>
+        </p:txBody>
+      </p:sp>
+      <p:sp>
+        <p:nvSpPr>
+          <p:cNvPr id="3" name="Content Placeholder 2"/>
+          <p:cNvSpPr>
+            <a:spLocks noGrp="1"/>
+          </p:cNvSpPr>
+          <p:nvPr>
+            <p:ph idx="1"/>
+          </p:nvPr>
+        </p:nvSpPr>
+        <p:spPr/>
+        <p:txBody>
+          <a:bodyPr>
+            <a:normAutofit lnSpcReduction="10000"/>
+          </a:bodyPr>
+          <a:lstStyle/>
+          <a:p>
+            <a:r>
+              <a:rPr lang="en-US" dirty="0"/>
+              <a:t>When exchanging data between a browser and a server, the data can only be text.</a:t>
+            </a:r>
+          </a:p>
+          <a:p>
+            <a:r>
+              <a:rPr lang="en-US" dirty="0"/>
+              <a:t>JSON is text, and we can convert any JavaScript object into JSON, and send JSON to the server.</a:t>
+            </a:r>
+          </a:p>
+          <a:p>
+            <a:r>
+              <a:rPr lang="en-US" dirty="0"/>
+              <a:t>We can also convert any JSON received from the server into JavaScript objects.</a:t>
+            </a:r>
+          </a:p>
+          <a:p>
+            <a:r>
+              <a:rPr lang="en-US" dirty="0"/>
+              <a:t>This way we can work with the data as JavaScript objects, with no complicated parsing and translations.</a:t>
+            </a:r>
+          </a:p>
+          <a:p>
+            <a:r>
+              <a:rPr lang="en-US" dirty="0"/>
+              <a:t>An API is a set of functions and procedures allowing the creation of applications that access the features or data of an operating system, application, or other service.</a:t>
+            </a:r>
+            <a:br>
+              <a:rPr lang="en-US" dirty="0"/>
+            </a:br>
+            <a:endParaRPr lang="en-US" dirty="0"/>
+          </a:p>
+        </p:txBody>
+      </p:sp>
+    </p:spTree>
+    <p:extLst>
+      <p:ext uri="{BB962C8B-B14F-4D97-AF65-F5344CB8AC3E}">
+        <p14:creationId xmlns:p14="http://schemas.microsoft.com/office/powerpoint/2010/main" val="3353632627"/>
+      </p:ext>
+    </p:extLst>
+  </p:cSld>
+  <p:clrMapOvr>
+    <a:masterClrMapping/>
+  </p:clrMapOvr>
+</p:sld>
+</file>
+
+<file path=ppt/slides/slide3.xml><?xml version="1.0" encoding="utf-8"?>
+<p:sld xmlns:a="http://schemas.openxmlformats.org/drawingml/2006/main" xmlns:r="http://schemas.openxmlformats.org/officeDocument/2006/relationships" xmlns:p="http://schemas.openxmlformats.org/presentationml/2006/main">
+  <p:cSld>
+    <p:spTree>
+      <p:nvGrpSpPr>
+        <p:cNvPr id="1" name=""/>
+        <p:cNvGrpSpPr/>
+        <p:nvPr/>
+      </p:nvGrpSpPr>
+      <p:grpSpPr>
+        <a:xfrm>
+          <a:off x="0" y="0"/>
+          <a:ext cx="0" cy="0"/>
+          <a:chOff x="0" y="0"/>
+          <a:chExt cx="0" cy="0"/>
+        </a:xfrm>
+      </p:grpSpPr>
+      <p:sp>
+        <p:nvSpPr>
+          <p:cNvPr id="2" name="Title 1"/>
+          <p:cNvSpPr>
+            <a:spLocks noGrp="1"/>
+          </p:cNvSpPr>
+          <p:nvPr>
+            <p:ph type="title"/>
+          </p:nvPr>
+        </p:nvSpPr>
+        <p:spPr/>
+        <p:txBody>
+          <a:bodyPr/>
+          <a:lstStyle/>
+          <a:p>
+            <a:r>
+              <a:rPr lang="en-US" dirty="0"/>
+              <a:t>How they differ from SOAP API’s</a:t>
+            </a:r>
+          </a:p>
+        </p:txBody>
+      </p:sp>
+      <p:sp>
+        <p:nvSpPr>
+          <p:cNvPr id="3" name="Content Placeholder 2"/>
+          <p:cNvSpPr>
+            <a:spLocks noGrp="1"/>
+          </p:cNvSpPr>
+          <p:nvPr>
+            <p:ph idx="1"/>
+          </p:nvPr>
+        </p:nvSpPr>
+        <p:spPr/>
+        <p:txBody>
+          <a:bodyPr/>
+          <a:lstStyle/>
+          <a:p>
+            <a:r>
+              <a:rPr lang="en-US" dirty="0"/>
+              <a:t>SOAP only uses XML as the standard data format.</a:t>
+            </a:r>
+          </a:p>
+          <a:p>
+            <a:r>
+              <a:rPr lang="en-US" dirty="0"/>
+              <a:t>JSON API has no official standard because it is an architectural style.</a:t>
+            </a:r>
+          </a:p>
+          <a:p>
+            <a:r>
+              <a:rPr lang="en-US" dirty="0"/>
+              <a:t>SOAP API had an official standard because it is a protocol.</a:t>
+            </a:r>
+          </a:p>
+          <a:p>
+            <a:r>
+              <a:rPr lang="en-US" dirty="0"/>
+              <a:t>SOAP is largely based on HTTP and XML</a:t>
+            </a:r>
+          </a:p>
+          <a:p>
+            <a:r>
+              <a:rPr lang="en-US" dirty="0"/>
+              <a:t>JSON API depends on HTTP operations</a:t>
+            </a:r>
+          </a:p>
+          <a:p>
+            <a:r>
+              <a:rPr lang="en-US" dirty="0"/>
+              <a:t>SOAP is Web Services Description language</a:t>
+            </a:r>
+          </a:p>
+          <a:p>
+            <a:r>
+              <a:rPr lang="en-US" dirty="0"/>
+              <a:t>SOAP defines operations and methods </a:t>
+            </a:r>
+            <a:r>
+              <a:rPr lang="en-US" dirty="0" err="1"/>
+              <a:t>seperately</a:t>
+            </a:r>
+            <a:endParaRPr lang="en-US" dirty="0"/>
+          </a:p>
+        </p:txBody>
+      </p:sp>
+    </p:spTree>
+    <p:extLst>
+      <p:ext uri="{BB962C8B-B14F-4D97-AF65-F5344CB8AC3E}">
+        <p14:creationId xmlns:p14="http://schemas.microsoft.com/office/powerpoint/2010/main" val="2862105015"/>
+      </p:ext>
+    </p:extLst>
+  </p:cSld>
+  <p:clrMapOvr>
+    <a:masterClrMapping/>
+  </p:clrMapOvr>
+</p:sld>
+</file>
+
+<file path=ppt/slides/slide4.xml><?xml version="1.0" encoding="utf-8"?>
+<p:sld xmlns:a="http://schemas.openxmlformats.org/drawingml/2006/main" xmlns:r="http://schemas.openxmlformats.org/officeDocument/2006/relationships" xmlns:p="http://schemas.openxmlformats.org/presentationml/2006/main">
+  <p:cSld>
+    <p:spTree>
+      <p:nvGrpSpPr>
+        <p:cNvPr id="1" name=""/>
+        <p:cNvGrpSpPr/>
+        <p:nvPr/>
+      </p:nvGrpSpPr>
+      <p:grpSpPr>
+        <a:xfrm>
+          <a:off x="0" y="0"/>
+          <a:ext cx="0" cy="0"/>
+          <a:chOff x="0" y="0"/>
+          <a:chExt cx="0" cy="0"/>
+        </a:xfrm>
+      </p:grpSpPr>
+      <p:sp>
+        <p:nvSpPr>
+          <p:cNvPr id="2" name="Title 1"/>
+          <p:cNvSpPr>
+            <a:spLocks noGrp="1"/>
+          </p:cNvSpPr>
+          <p:nvPr>
+            <p:ph type="title"/>
+          </p:nvPr>
+        </p:nvSpPr>
+        <p:spPr/>
+        <p:txBody>
+          <a:bodyPr/>
+          <a:lstStyle/>
+          <a:p>
+            <a:r>
+              <a:rPr lang="en-US" dirty="0"/>
+              <a:t>JSON Request Header</a:t>
+            </a:r>
+          </a:p>
+        </p:txBody>
+      </p:sp>
+      <p:sp>
+        <p:nvSpPr>
+          <p:cNvPr id="3" name="Content Placeholder 2"/>
+          <p:cNvSpPr>
+            <a:spLocks noGrp="1"/>
+          </p:cNvSpPr>
+          <p:nvPr>
+            <p:ph idx="1"/>
+          </p:nvPr>
+        </p:nvSpPr>
+        <p:spPr/>
+        <p:txBody>
+          <a:bodyPr/>
+          <a:lstStyle/>
+          <a:p>
+            <a:r>
+              <a:rPr lang="en-US" dirty="0"/>
+              <a:t> HTTP headers allow the client and the server to pass additional information with the request or the response. An HTTP header consists of its case-insensitive name followed by a colon ‘:’, then by its value (without line breaks). Leading white space before the value is ignored.</a:t>
+            </a:r>
+          </a:p>
+          <a:p>
+            <a:r>
+              <a:rPr lang="en-US" dirty="0"/>
+              <a:t>Headers containing more information about the resource to be fetched or about the client itself.</a:t>
+            </a:r>
+          </a:p>
+        </p:txBody>
+      </p:sp>
+    </p:spTree>
+    <p:extLst>
+      <p:ext uri="{BB962C8B-B14F-4D97-AF65-F5344CB8AC3E}">
+        <p14:creationId xmlns:p14="http://schemas.microsoft.com/office/powerpoint/2010/main" val="3203569686"/>
+      </p:ext>
+    </p:extLst>
+  </p:cSld>
+  <p:clrMapOvr>
+    <a:masterClrMapping/>
+  </p:clrMapOvr>
+</p:sld>
+</file>
+
+<file path=ppt/slides/slide5.xml><?xml version="1.0" encoding="utf-8"?>
+<p:sld xmlns:a="http://schemas.openxmlformats.org/drawingml/2006/main" xmlns:r="http://schemas.openxmlformats.org/officeDocument/2006/relationships" xmlns:p="http://schemas.openxmlformats.org/presentationml/2006/main">
+  <p:cSld>
+    <p:spTree>
+      <p:nvGrpSpPr>
+        <p:cNvPr id="1" name=""/>
+        <p:cNvGrpSpPr/>
+        <p:nvPr/>
+      </p:nvGrpSpPr>
+      <p:grpSpPr>
+        <a:xfrm>
+          <a:off x="0" y="0"/>
+          <a:ext cx="0" cy="0"/>
+          <a:chOff x="0" y="0"/>
+          <a:chExt cx="0" cy="0"/>
+        </a:xfrm>
+      </p:grpSpPr>
+      <p:sp>
+        <p:nvSpPr>
+          <p:cNvPr id="2" name="Title 1"/>
+          <p:cNvSpPr>
+            <a:spLocks noGrp="1"/>
+          </p:cNvSpPr>
+          <p:nvPr>
+            <p:ph type="title"/>
+          </p:nvPr>
+        </p:nvSpPr>
+        <p:spPr/>
+        <p:txBody>
+          <a:bodyPr/>
+          <a:lstStyle/>
+          <a:p>
+            <a:r>
+              <a:rPr lang="en-US" dirty="0"/>
+              <a:t>JSON Request Body</a:t>
+            </a:r>
+          </a:p>
+        </p:txBody>
+      </p:sp>
+      <p:sp>
+        <p:nvSpPr>
+          <p:cNvPr id="3" name="Content Placeholder 2"/>
+          <p:cNvSpPr>
+            <a:spLocks noGrp="1"/>
+          </p:cNvSpPr>
+          <p:nvPr>
+            <p:ph idx="1"/>
+          </p:nvPr>
+        </p:nvSpPr>
+        <p:spPr>
+          <a:xfrm>
+            <a:off x="1103312" y="2052918"/>
+            <a:ext cx="8946541" cy="3293781"/>
+          </a:xfrm>
+        </p:spPr>
+        <p:txBody>
+          <a:bodyPr/>
+          <a:lstStyle/>
+          <a:p>
+            <a:r>
+              <a:rPr lang="en-US" dirty="0"/>
+              <a:t>The request body contains the data the client wants to send the server. However the Request bodies are optional by default.</a:t>
+            </a:r>
+          </a:p>
+          <a:p>
+            <a:r>
+              <a:rPr lang="en-US" dirty="0"/>
+              <a:t>The Schema Keyword is used to describe the response body.</a:t>
+            </a:r>
+          </a:p>
+          <a:p>
+            <a:r>
+              <a:rPr lang="en-US" dirty="0"/>
+              <a:t>A schema can define an object or an array – typically used with JSON and XML APIs, a primitive data type such as a number of string used for a plain text responses and a file.</a:t>
+            </a:r>
+          </a:p>
+          <a:p>
+            <a:endParaRPr lang="en-US" dirty="0"/>
+          </a:p>
+        </p:txBody>
+      </p:sp>
+    </p:spTree>
+    <p:extLst>
+      <p:ext uri="{BB962C8B-B14F-4D97-AF65-F5344CB8AC3E}">
+        <p14:creationId xmlns:p14="http://schemas.microsoft.com/office/powerpoint/2010/main" val="1035687552"/>
+      </p:ext>
+    </p:extLst>
+  </p:cSld>
+  <p:clrMapOvr>
+    <a:masterClrMapping/>
+  </p:clrMapOvr>
+</p:sld>
+</file>
+
+<file path=ppt/slides/slide6.xml><?xml version="1.0" encoding="utf-8"?>
+<p:sld xmlns:a="http://schemas.openxmlformats.org/drawingml/2006/main" xmlns:r="http://schemas.openxmlformats.org/officeDocument/2006/relationships" xmlns:p="http://schemas.openxmlformats.org/presentationml/2006/main">
+  <p:cSld>
+    <p:spTree>
+      <p:nvGrpSpPr>
+        <p:cNvPr id="1" name=""/>
+        <p:cNvGrpSpPr/>
+        <p:nvPr/>
+      </p:nvGrpSpPr>
+      <p:grpSpPr>
+        <a:xfrm>
+          <a:off x="0" y="0"/>
+          <a:ext cx="0" cy="0"/>
+          <a:chOff x="0" y="0"/>
+          <a:chExt cx="0" cy="0"/>
+        </a:xfrm>
+      </p:grpSpPr>
+      <p:pic>
+        <p:nvPicPr>
+          <p:cNvPr id="4" name="Picture 4" descr="https://cdn-images-1.medium.com/max/1600/0*ISI_huTLMe899JVq.gif">
+            <a:extLst>
+              <a:ext uri="{FF2B5EF4-FFF2-40B4-BE49-F238E27FC236}">
+                <a16:creationId xmlns:a16="http://schemas.microsoft.com/office/drawing/2014/main" id="{CBC7E670-802E-4C0E-B248-79ACCEEA7A46}"/>
+              </a:ext>
+            </a:extLst>
+          </p:cNvPr>
+          <p:cNvPicPr>
+            <a:picLocks noGrp="1" noChangeAspect="1" noChangeArrowheads="1"/>
+          </p:cNvPicPr>
+          <p:nvPr>
+            <p:ph idx="1"/>
+          </p:nvPr>
+        </p:nvPicPr>
+        <p:blipFill>
+          <a:blip r:embed="rId2">
+            <a:extLst>
+              <a:ext uri="{28A0092B-C50C-407E-A947-70E740481C1C}">
+                <a14:useLocalDpi xmlns:a14="http://schemas.microsoft.com/office/drawing/2010/main" val="0"/>
+              </a:ext>
+            </a:extLst>
+          </a:blip>
+          <a:srcRect/>
+          <a:stretch>
+            <a:fillRect/>
+          </a:stretch>
+        </p:blipFill>
+        <p:spPr bwMode="auto">
+          <a:xfrm>
+            <a:off x="1851933" y="698500"/>
+            <a:ext cx="7801428" cy="5461000"/>
+          </a:xfrm>
+          <a:prstGeom prst="rect">
+            <a:avLst/>
+          </a:prstGeom>
+          <a:noFill/>
+          <a:extLst>
+            <a:ext uri="{909E8E84-426E-40DD-AFC4-6F175D3DCCD1}">
+              <a14:hiddenFill xmlns:a14="http://schemas.microsoft.com/office/drawing/2010/main">
+                <a:solidFill>
+                  <a:srgbClr val="FFFFFF"/>
+                </a:solidFill>
+              </a14:hiddenFill>
+            </a:ext>
+          </a:extLst>
+        </p:spPr>
+      </p:pic>
+    </p:spTree>
+    <p:extLst>
+      <p:ext uri="{BB962C8B-B14F-4D97-AF65-F5344CB8AC3E}">
+        <p14:creationId xmlns:p14="http://schemas.microsoft.com/office/powerpoint/2010/main" val="1578756730"/>
+      </p:ext>
+    </p:extLst>
+  </p:cSld>
+  <p:clrMapOvr>
+    <a:masterClrMapping/>
+  </p:clrMapOvr>
+</p:sld>
+</file>
+
+<file path=ppt/slides/slide7.xml><?xml version="1.0" encoding="utf-8"?>
+<p:sld xmlns:a="http://schemas.openxmlformats.org/drawingml/2006/main" xmlns:r="http://schemas.openxmlformats.org/officeDocument/2006/relationships" xmlns:p="http://schemas.openxmlformats.org/presentationml/2006/main">
+  <p:cSld>
+    <p:spTree>
+      <p:nvGrpSpPr>
+        <p:cNvPr id="1" name=""/>
+        <p:cNvGrpSpPr/>
+        <p:nvPr/>
+      </p:nvGrpSpPr>
+      <p:grpSpPr>
+        <a:xfrm>
+          <a:off x="0" y="0"/>
+          <a:ext cx="0" cy="0"/>
+          <a:chOff x="0" y="0"/>
+          <a:chExt cx="0" cy="0"/>
+        </a:xfrm>
+      </p:grpSpPr>
+      <p:sp>
+        <p:nvSpPr>
+          <p:cNvPr id="2" name="Title 1"/>
+          <p:cNvSpPr>
+            <a:spLocks noGrp="1"/>
+          </p:cNvSpPr>
+          <p:nvPr>
+            <p:ph type="title"/>
+          </p:nvPr>
+        </p:nvSpPr>
+        <p:spPr/>
+        <p:txBody>
+          <a:bodyPr/>
+          <a:lstStyle/>
+          <a:p>
+            <a:r>
+              <a:rPr lang="en-US" dirty="0"/>
+              <a:t>JSON Response Body</a:t>
+            </a:r>
+          </a:p>
+        </p:txBody>
+      </p:sp>
+      <p:sp>
+        <p:nvSpPr>
+          <p:cNvPr id="3" name="Content Placeholder 2"/>
+          <p:cNvSpPr>
+            <a:spLocks noGrp="1"/>
+          </p:cNvSpPr>
+          <p:nvPr>
+            <p:ph idx="1"/>
+          </p:nvPr>
+        </p:nvSpPr>
+        <p:spPr/>
+        <p:txBody>
+          <a:bodyPr/>
+          <a:lstStyle/>
+          <a:p>
+            <a:r>
+              <a:rPr lang="en-US" dirty="0"/>
+              <a:t>A response is defined by its HTTP status code and the data returned in the response body and/or headers.</a:t>
+            </a:r>
+          </a:p>
+          <a:p>
+            <a:r>
+              <a:rPr lang="en-US" dirty="0"/>
+              <a:t>An API can respond with various media types.</a:t>
+            </a:r>
+          </a:p>
+          <a:p>
+            <a:r>
+              <a:rPr lang="en-US" dirty="0"/>
+              <a:t>JSON is the most common format for data exchange, but isn’t the only option available.</a:t>
+            </a:r>
+          </a:p>
+          <a:p>
+            <a:endParaRPr lang="en-US" dirty="0"/>
+          </a:p>
+        </p:txBody>
+      </p:sp>
+    </p:spTree>
+    <p:extLst>
+      <p:ext uri="{BB962C8B-B14F-4D97-AF65-F5344CB8AC3E}">
+        <p14:creationId xmlns:p14="http://schemas.microsoft.com/office/powerpoint/2010/main" val="3470695531"/>
+      </p:ext>
+    </p:extLst>
+  </p:cSld>
+  <p:clrMapOvr>
+    <a:masterClrMapping/>
+  </p:clrMapOvr>
+</p:sld>
+</file>
+
+<file path=ppt/slides/slide8.xml><?xml version="1.0" encoding="utf-8"?>
+<p:sld xmlns:a="http://schemas.openxmlformats.org/drawingml/2006/main" xmlns:r="http://schemas.openxmlformats.org/officeDocument/2006/relationships" xmlns:p="http://schemas.openxmlformats.org/presentationml/2006/main">
+  <p:cSld>
+    <p:spTree>
+      <p:nvGrpSpPr>
+        <p:cNvPr id="1" name=""/>
+        <p:cNvGrpSpPr/>
+        <p:nvPr/>
+      </p:nvGrpSpPr>
+      <p:grpSpPr>
+        <a:xfrm>
+          <a:off x="0" y="0"/>
+          <a:ext cx="0" cy="0"/>
+          <a:chOff x="0" y="0"/>
+          <a:chExt cx="0" cy="0"/>
+        </a:xfrm>
+      </p:grpSpPr>
+      <p:pic>
+        <p:nvPicPr>
+          <p:cNvPr id="1026" name="Picture 2" descr="https://cdn-images-1.medium.com/max/800/0*EEhV9BlXgsTFnBW8.gif">
+            <a:extLst>
+              <a:ext uri="{FF2B5EF4-FFF2-40B4-BE49-F238E27FC236}">
+                <a16:creationId xmlns:a16="http://schemas.microsoft.com/office/drawing/2014/main" id="{A00E47ED-6728-4972-B0D9-E77B4F42F16E}"/>
+              </a:ext>
+            </a:extLst>
+          </p:cNvPr>
+          <p:cNvPicPr>
+            <a:picLocks noChangeAspect="1" noChangeArrowheads="1"/>
+          </p:cNvPicPr>
+          <p:nvPr/>
+        </p:nvPicPr>
+        <p:blipFill>
+          <a:blip r:embed="rId2">
+            <a:extLst>
+              <a:ext uri="{28A0092B-C50C-407E-A947-70E740481C1C}">
+                <a14:useLocalDpi xmlns:a14="http://schemas.microsoft.com/office/drawing/2010/main" val="0"/>
+              </a:ext>
+            </a:extLst>
+          </a:blip>
+          <a:srcRect/>
+          <a:stretch>
+            <a:fillRect/>
+          </a:stretch>
+        </p:blipFill>
+        <p:spPr bwMode="auto">
+          <a:xfrm>
+            <a:off x="1269999" y="1016000"/>
+            <a:ext cx="8551333" cy="5130800"/>
+          </a:xfrm>
+          <a:prstGeom prst="rect">
+            <a:avLst/>
+          </a:prstGeom>
+          <a:noFill/>
+          <a:extLst>
+            <a:ext uri="{909E8E84-426E-40DD-AFC4-6F175D3DCCD1}">
+              <a14:hiddenFill xmlns:a14="http://schemas.microsoft.com/office/drawing/2010/main">
+                <a:solidFill>
+                  <a:srgbClr val="FFFFFF"/>
+                </a:solidFill>
+              </a14:hiddenFill>
+            </a:ext>
+          </a:extLst>
+        </p:spPr>
+      </p:pic>
+    </p:spTree>
+    <p:extLst>
+      <p:ext uri="{BB962C8B-B14F-4D97-AF65-F5344CB8AC3E}">
+        <p14:creationId xmlns:p14="http://schemas.microsoft.com/office/powerpoint/2010/main" val="1526939030"/>
+      </p:ext>
+    </p:extLst>
+  </p:cSld>
+  <p:clrMapOvr>
+    <a:masterClrMapping/>
+  </p:clrMapOvr>
+</p:sld>
+</file>
+
+<file path=ppt/slides/slide9.xml><?xml version="1.0" encoding="utf-8"?>
+<p:sld xmlns:a="http://schemas.openxmlformats.org/drawingml/2006/main" xmlns:r="http://schemas.openxmlformats.org/officeDocument/2006/relationships" xmlns:p="http://schemas.openxmlformats.org/presentationml/2006/main">
+  <p:cSld>
+    <p:spTree>
+      <p:nvGrpSpPr>
+        <p:cNvPr id="1" name=""/>
+        <p:cNvGrpSpPr/>
+        <p:nvPr/>
+      </p:nvGrpSpPr>
+      <p:grpSpPr>
+        <a:xfrm>
+          <a:off x="0" y="0"/>
+          <a:ext cx="0" cy="0"/>
+          <a:chOff x="0" y="0"/>
+          <a:chExt cx="0" cy="0"/>
+        </a:xfrm>
+      </p:grpSpPr>
+      <p:sp>
+        <p:nvSpPr>
+          <p:cNvPr id="2" name="Title 1"/>
+          <p:cNvSpPr>
+            <a:spLocks noGrp="1"/>
+          </p:cNvSpPr>
+          <p:nvPr>
+            <p:ph type="title"/>
+          </p:nvPr>
+        </p:nvSpPr>
+        <p:spPr/>
+        <p:txBody>
+          <a:bodyPr/>
+          <a:lstStyle/>
+          <a:p>
+            <a:r>
+              <a:rPr lang="en-US" dirty="0"/>
+              <a:t>References </a:t>
+            </a:r>
+          </a:p>
+        </p:txBody>
+      </p:sp>
+      <p:sp>
+        <p:nvSpPr>
+          <p:cNvPr id="3" name="Content Placeholder 2"/>
+          <p:cNvSpPr>
+            <a:spLocks noGrp="1"/>
+          </p:cNvSpPr>
+          <p:nvPr>
+            <p:ph idx="1"/>
+          </p:nvPr>
+        </p:nvSpPr>
+        <p:spPr/>
+        <p:txBody>
+          <a:bodyPr/>
+          <a:lstStyle/>
+          <a:p>
+            <a:r>
+              <a:rPr lang="en-US" dirty="0"/>
+              <a:t>Malik, N. (2019, May 14). The Difference Between REST and SOAP APIs - </a:t>
+            </a:r>
+            <a:r>
+              <a:rPr lang="en-US" dirty="0" err="1"/>
+              <a:t>DZone</a:t>
+            </a:r>
+            <a:r>
+              <a:rPr lang="en-US" dirty="0"/>
+              <a:t> Integration. Retrieved May 26, 2019, from </a:t>
+            </a:r>
+            <a:r>
+              <a:rPr lang="en-US" dirty="0">
+                <a:hlinkClick r:id="rId2"/>
+              </a:rPr>
+              <a:t>https://dzone.com/articles/difference-between-rest-and-soap-api</a:t>
+            </a:r>
+            <a:endParaRPr lang="en-US" dirty="0"/>
+          </a:p>
+          <a:p>
+            <a:r>
+              <a:rPr lang="en-US" dirty="0"/>
+              <a:t>Red Hat. (n.d.). What are APIs? Retrieved May 26, 2019, from </a:t>
+            </a:r>
+            <a:r>
+              <a:rPr lang="en-US" dirty="0">
+                <a:hlinkClick r:id="rId3"/>
+              </a:rPr>
+              <a:t>https://www.redhat.com/en/topics/api/what-are-application-programming-interfaces</a:t>
+            </a:r>
+            <a:endParaRPr lang="en-US" dirty="0"/>
+          </a:p>
+          <a:p>
+            <a:endParaRPr lang="en-US" dirty="0"/>
+          </a:p>
+        </p:txBody>
+      </p:sp>
+    </p:spTree>
+    <p:extLst>
+      <p:ext uri="{BB962C8B-B14F-4D97-AF65-F5344CB8AC3E}">
+        <p14:creationId xmlns:p14="http://schemas.microsoft.com/office/powerpoint/2010/main" val="1831838045"/>
+      </p:ext>
+    </p:extLst>
+  </p:cSld>
+  <p:clrMapOvr>
+    <a:masterClrMapping/>
+  </p:clrMapOvr>
 </p:sld>
 </file>
 
@@ -8434,6 +8690,14 @@
 </file>
 
 <file path=customXml/item1.xml><?xml version="1.0" encoding="utf-8"?>
+<p:properties xmlns:p="http://schemas.microsoft.com/office/2006/metadata/properties" xmlns:xsi="http://www.w3.org/2001/XMLSchema-instance" xmlns:pc="http://schemas.microsoft.com/office/infopath/2007/PartnerControls">
+  <documentManagement>
+    <MediaServiceKeyPoints xmlns="71af3243-3dd4-4a8d-8c0d-dd76da1f02a5" xsi:nil="true"/>
+  </documentManagement>
+</p:properties>
+</file>
+
+<file path=customXml/item2.xml><?xml version="1.0" encoding="utf-8"?>
 <?mso-contentType ?>
 <FormTemplates xmlns="http://schemas.microsoft.com/sharepoint/v3/contenttype/forms">
   <Display>DocumentLibraryForm</Display>
@@ -8442,7 +8706,7 @@
 </FormTemplates>
 </file>
 
-<file path=customXml/item2.xml><?xml version="1.0" encoding="utf-8"?>
+<file path=customXml/item3.xml><?xml version="1.0" encoding="utf-8"?>
 <ct:contentTypeSchema xmlns:ct="http://schemas.microsoft.com/office/2006/metadata/contentType" xmlns:ma="http://schemas.microsoft.com/office/2006/metadata/properties/metaAttributes" ct:_="" ma:_="" ma:contentTypeName="Document" ma:contentTypeID="0x01010079F111ED35F8CC479449609E8A0923A6" ma:contentTypeVersion="11" ma:contentTypeDescription="Create a new document." ma:contentTypeScope="" ma:versionID="9677210f24a1be23c92c90fd886aa0aa">
   <xsd:schema xmlns:xsd="http://www.w3.org/2001/XMLSchema" xmlns:xs="http://www.w3.org/2001/XMLSchema" xmlns:p="http://schemas.microsoft.com/office/2006/metadata/properties" xmlns:ns2="71af3243-3dd4-4a8d-8c0d-dd76da1f02a5" xmlns:ns3="16c05727-aa75-4e4a-9b5f-8a80a1165891" targetNamespace="http://schemas.microsoft.com/office/2006/metadata/properties" ma:root="true" ma:fieldsID="60e05723c5c1908df1a1a4ebf11d344e" ns2:_="" ns3:_="">
     <xsd:import namespace="71af3243-3dd4-4a8d-8c0d-dd76da1f02a5"/>
@@ -8653,15 +8917,24 @@
 </ct:contentTypeSchema>
 </file>
 
-<file path=customXml/item3.xml><?xml version="1.0" encoding="utf-8"?>
-<p:properties xmlns:p="http://schemas.microsoft.com/office/2006/metadata/properties" xmlns:xsi="http://www.w3.org/2001/XMLSchema-instance" xmlns:pc="http://schemas.microsoft.com/office/infopath/2007/PartnerControls">
-  <documentManagement>
-    <MediaServiceKeyPoints xmlns="71af3243-3dd4-4a8d-8c0d-dd76da1f02a5" xsi:nil="true"/>
-  </documentManagement>
-</p:properties>
+<file path=customXml/itemProps1.xml><?xml version="1.0" encoding="utf-8"?>
+<ds:datastoreItem xmlns:ds="http://schemas.openxmlformats.org/officeDocument/2006/customXml" ds:itemID="{48C54328-0E3E-40FC-9B9C-E60E585EE030}">
+  <ds:schemaRefs>
+    <ds:schemaRef ds:uri="http://purl.org/dc/elements/1.1/"/>
+    <ds:schemaRef ds:uri="http://purl.org/dc/terms/"/>
+    <ds:schemaRef ds:uri="16c05727-aa75-4e4a-9b5f-8a80a1165891"/>
+    <ds:schemaRef ds:uri="http://schemas.microsoft.com/office/infopath/2007/PartnerControls"/>
+    <ds:schemaRef ds:uri="http://schemas.microsoft.com/office/2006/documentManagement/types"/>
+    <ds:schemaRef ds:uri="http://schemas.openxmlformats.org/package/2006/metadata/core-properties"/>
+    <ds:schemaRef ds:uri="71af3243-3dd4-4a8d-8c0d-dd76da1f02a5"/>
+    <ds:schemaRef ds:uri="http://schemas.microsoft.com/office/2006/metadata/properties"/>
+    <ds:schemaRef ds:uri="http://www.w3.org/XML/1998/namespace"/>
+    <ds:schemaRef ds:uri="http://purl.org/dc/dcmitype/"/>
+  </ds:schemaRefs>
+</ds:datastoreItem>
 </file>
 
-<file path=customXml/itemProps1.xml><?xml version="1.0" encoding="utf-8"?>
+<file path=customXml/itemProps2.xml><?xml version="1.0" encoding="utf-8"?>
 <ds:datastoreItem xmlns:ds="http://schemas.openxmlformats.org/officeDocument/2006/customXml" ds:itemID="{D333AA69-F09C-4769-984A-89F31444738D}">
   <ds:schemaRefs>
     <ds:schemaRef ds:uri="http://schemas.microsoft.com/sharepoint/v3/contenttype/forms"/>
@@ -8669,7 +8942,7 @@
 </ds:datastoreItem>
 </file>
 
-<file path=customXml/itemProps2.xml><?xml version="1.0" encoding="utf-8"?>
+<file path=customXml/itemProps3.xml><?xml version="1.0" encoding="utf-8"?>
 <ds:datastoreItem xmlns:ds="http://schemas.openxmlformats.org/officeDocument/2006/customXml" ds:itemID="{01AFC1D2-5B3D-4F0D-B2A2-5006A0EB9B5B}">
   <ds:schemaRefs>
     <ds:schemaRef ds:uri="http://schemas.microsoft.com/office/2006/metadata/contentType"/>
@@ -8686,21 +8959,4 @@
     <ds:schemaRef ds:uri="http://schemas.microsoft.com/internal/obd"/>
   </ds:schemaRefs>
 </ds:datastoreItem>
-</file>
-
-<file path=customXml/itemProps3.xml><?xml version="1.0" encoding="utf-8"?>
-<ds:datastoreItem xmlns:ds="http://schemas.openxmlformats.org/officeDocument/2006/customXml" ds:itemID="{48C54328-0E3E-40FC-9B9C-E60E585EE030}">
-  <ds:schemaRefs>
-    <ds:schemaRef ds:uri="http://purl.org/dc/elements/1.1/"/>
-    <ds:schemaRef ds:uri="http://purl.org/dc/terms/"/>
-    <ds:schemaRef ds:uri="16c05727-aa75-4e4a-9b5f-8a80a1165891"/>
-    <ds:schemaRef ds:uri="http://schemas.microsoft.com/office/infopath/2007/PartnerControls"/>
-    <ds:schemaRef ds:uri="http://schemas.microsoft.com/office/2006/documentManagement/types"/>
-    <ds:schemaRef ds:uri="http://schemas.openxmlformats.org/package/2006/metadata/core-properties"/>
-    <ds:schemaRef ds:uri="71af3243-3dd4-4a8d-8c0d-dd76da1f02a5"/>
-    <ds:schemaRef ds:uri="http://schemas.microsoft.com/office/2006/metadata/properties"/>
-    <ds:schemaRef ds:uri="http://www.w3.org/XML/1998/namespace"/>
-    <ds:schemaRef ds:uri="http://purl.org/dc/dcmitype/"/>
-  </ds:schemaRefs>
-</ds:datastoreItem>
 </file>